--- a/dataset_directory_organization.pptx
+++ b/dataset_directory_organization.pptx
@@ -2985,8 +2985,8 @@
         </p:nvSpPr>
         <p:spPr>
           <a:xfrm>
-            <a:off x="2709241" y="284261"/>
-            <a:ext cx="1162882" cy="369332"/>
+            <a:off x="2363235" y="454545"/>
+            <a:ext cx="910856" cy="276999"/>
           </a:xfrm>
           <a:prstGeom prst="rect">
             <a:avLst/>
@@ -3000,10 +3000,10 @@
           <a:lstStyle/>
           <a:p>
             <a:r>
-              <a:rPr lang="en-US" dirty="0"/>
+              <a:rPr lang="en-US" sz="1200" dirty="0"/>
               <a:t>indel_set1</a:t>
             </a:r>
-            <a:endParaRPr lang="en-SG" dirty="0"/>
+            <a:endParaRPr lang="en-SG" sz="1200" dirty="0"/>
           </a:p>
         </p:txBody>
       </p:sp>
@@ -3021,8 +3021,8 @@
         </p:nvSpPr>
         <p:spPr>
           <a:xfrm>
-            <a:off x="959562" y="1519809"/>
-            <a:ext cx="3651897" cy="369332"/>
+            <a:off x="866479" y="1410065"/>
+            <a:ext cx="3163558" cy="276999"/>
           </a:xfrm>
           <a:prstGeom prst="rect">
             <a:avLst/>
@@ -3036,15 +3036,15 @@
           <a:lstStyle/>
           <a:p>
             <a:r>
-              <a:rPr lang="en-US" dirty="0"/>
-              <a:t>code       input                  </a:t>
-            </a:r>
-            <a:r>
-              <a:rPr lang="en-US" dirty="0" err="1"/>
+              <a:rPr lang="en-US" sz="1200" dirty="0"/>
+              <a:t>code                input                            </a:t>
+            </a:r>
+            <a:r>
+              <a:rPr lang="en-US" sz="1200" dirty="0" err="1"/>
               <a:t>raw_results</a:t>
             </a:r>
             <a:r>
-              <a:rPr lang="en-US" dirty="0"/>
+              <a:rPr lang="en-US" sz="1200" dirty="0"/>
               <a:t>  </a:t>
             </a:r>
           </a:p>
@@ -3064,8 +3064,8 @@
         </p:nvSpPr>
         <p:spPr>
           <a:xfrm>
-            <a:off x="421221" y="2386509"/>
-            <a:ext cx="2864951" cy="923330"/>
+            <a:off x="29499" y="1983334"/>
+            <a:ext cx="3017804" cy="630942"/>
           </a:xfrm>
           <a:prstGeom prst="rect">
             <a:avLst/>
@@ -3073,13 +3073,13 @@
           <a:noFill/>
         </p:spPr>
         <p:txBody>
-          <a:bodyPr wrap="none" rtlCol="0">
+          <a:bodyPr wrap="square" rtlCol="0">
             <a:spAutoFit/>
           </a:bodyPr>
           <a:lstStyle/>
           <a:p>
             <a:r>
-              <a:rPr lang="en-US" i="1" dirty="0">
+              <a:rPr lang="en-US" sz="1200" i="1" dirty="0">
                 <a:solidFill>
                   <a:srgbClr val="0070C0"/>
                 </a:solidFill>
@@ -3089,16 +3089,16 @@
           </a:p>
           <a:p>
             <a:r>
-              <a:rPr lang="en-US" dirty="0"/>
-              <a:t>Moderate Noiseless Realistic</a:t>
-            </a:r>
-          </a:p>
-          <a:p>
-            <a:r>
-              <a:rPr lang="en-US" sz="1600" dirty="0"/>
-              <a:t>(most only have Realistic)</a:t>
-            </a:r>
-            <a:endParaRPr lang="en-SG" dirty="0"/>
+              <a:rPr lang="en-US" sz="1200" dirty="0"/>
+              <a:t>              Moderate         Noiseless     Realistic</a:t>
+            </a:r>
+          </a:p>
+          <a:p>
+            <a:r>
+              <a:rPr lang="en-US" sz="1100" dirty="0"/>
+              <a:t>             (most only have Realistic)</a:t>
+            </a:r>
+            <a:endParaRPr lang="en-SG" sz="1200" dirty="0"/>
           </a:p>
         </p:txBody>
       </p:sp>
@@ -3116,8 +3116,8 @@
         </p:nvSpPr>
         <p:spPr>
           <a:xfrm>
-            <a:off x="1302525" y="3918815"/>
-            <a:ext cx="5246821" cy="369332"/>
+            <a:off x="1130013" y="3044106"/>
+            <a:ext cx="4762266" cy="276999"/>
           </a:xfrm>
           <a:prstGeom prst="rect">
             <a:avLst/>
@@ -3131,7 +3131,7 @@
           <a:lstStyle/>
           <a:p>
             <a:r>
-              <a:rPr lang="en-US" i="1" dirty="0">
+              <a:rPr lang="en-US" sz="1200" i="1" dirty="0">
                 <a:solidFill>
                   <a:srgbClr val="0070C0"/>
                 </a:solidFill>
@@ -3139,14 +3139,18 @@
               <a:t>Approaches: </a:t>
             </a:r>
             <a:r>
-              <a:rPr lang="en-US" dirty="0" err="1"/>
+              <a:rPr lang="en-US" sz="1200" dirty="0" err="1"/>
               <a:t>mSighdp.results</a:t>
             </a:r>
             <a:r>
-              <a:rPr lang="en-US" dirty="0"/>
-              <a:t> NR_hdp_gb_1.results ….</a:t>
-            </a:r>
-            <a:endParaRPr lang="en-SG" dirty="0"/>
+              <a:rPr lang="en-US" sz="1200" dirty="0"/>
+              <a:t>        NR_hdp_gb_1.results  ….   </a:t>
+            </a:r>
+            <a:r>
+              <a:rPr lang="en-US" sz="1200" dirty="0" err="1"/>
+              <a:t>signeR.results</a:t>
+            </a:r>
+            <a:endParaRPr lang="en-SG" sz="1200" dirty="0"/>
           </a:p>
         </p:txBody>
       </p:sp>
@@ -3164,8 +3168,8 @@
         </p:nvSpPr>
         <p:spPr>
           <a:xfrm>
-            <a:off x="594186" y="5083217"/>
-            <a:ext cx="3999685" cy="369332"/>
+            <a:off x="498289" y="3883304"/>
+            <a:ext cx="3496085" cy="276999"/>
           </a:xfrm>
           <a:prstGeom prst="rect">
             <a:avLst/>
@@ -3179,7 +3183,7 @@
           <a:lstStyle/>
           <a:p>
             <a:r>
-              <a:rPr lang="en-US" i="1" dirty="0">
+              <a:rPr lang="en-US" sz="1200" i="1" dirty="0">
                 <a:solidFill>
                   <a:srgbClr val="0070C0"/>
                 </a:solidFill>
@@ -3187,10 +3191,10 @@
               <a:t>Noise level: </a:t>
             </a:r>
             <a:r>
-              <a:rPr lang="en-US" dirty="0"/>
-              <a:t>Moderate Noiseless Realistic</a:t>
-            </a:r>
-            <a:endParaRPr lang="en-SG" dirty="0"/>
+              <a:rPr lang="en-US" sz="1200" dirty="0"/>
+              <a:t>Moderate               Noiseless         Realistic</a:t>
+            </a:r>
+            <a:endParaRPr lang="en-SG" sz="1200" dirty="0"/>
           </a:p>
         </p:txBody>
       </p:sp>
@@ -3208,8 +3212,8 @@
         </p:nvSpPr>
         <p:spPr>
           <a:xfrm>
-            <a:off x="785223" y="6062953"/>
-            <a:ext cx="5488747" cy="369332"/>
+            <a:off x="941798" y="4646864"/>
+            <a:ext cx="3989875" cy="276999"/>
           </a:xfrm>
           <a:prstGeom prst="rect">
             <a:avLst/>
@@ -3223,7 +3227,7 @@
           <a:lstStyle/>
           <a:p>
             <a:r>
-              <a:rPr lang="en-US" i="1" dirty="0">
+              <a:rPr lang="en-US" sz="1200" i="1" dirty="0">
                 <a:solidFill>
                   <a:srgbClr val="0070C0"/>
                 </a:solidFill>
@@ -3231,10 +3235,10 @@
               <a:t>5 different random seeds: </a:t>
             </a:r>
             <a:r>
-              <a:rPr lang="en-US" dirty="0"/>
-              <a:t>seed.145879    seed.200437 ….</a:t>
-            </a:r>
-            <a:endParaRPr lang="en-SG" dirty="0"/>
+              <a:rPr lang="en-US" sz="1200" dirty="0"/>
+              <a:t>seed.145879           seed.200437 ….</a:t>
+            </a:r>
+            <a:endParaRPr lang="en-SG" sz="1200" dirty="0"/>
           </a:p>
         </p:txBody>
       </p:sp>
@@ -3254,8 +3258,8 @@
         </p:nvCxnSpPr>
         <p:spPr>
           <a:xfrm flipH="1">
-            <a:off x="3862279" y="5452549"/>
-            <a:ext cx="279979" cy="458956"/>
+            <a:off x="3149600" y="4183333"/>
+            <a:ext cx="290098" cy="440501"/>
           </a:xfrm>
           <a:prstGeom prst="line">
             <a:avLst/>
@@ -3292,8 +3296,8 @@
         </p:nvCxnSpPr>
         <p:spPr>
           <a:xfrm>
-            <a:off x="4110768" y="5443677"/>
-            <a:ext cx="957155" cy="597145"/>
+            <a:off x="3439698" y="4183333"/>
+            <a:ext cx="857135" cy="490267"/>
           </a:xfrm>
           <a:prstGeom prst="line">
             <a:avLst/>
@@ -3330,8 +3334,8 @@
         </p:nvCxnSpPr>
         <p:spPr>
           <a:xfrm flipH="1">
-            <a:off x="2091118" y="4288147"/>
-            <a:ext cx="890427" cy="643622"/>
+            <a:off x="1833311" y="3345201"/>
+            <a:ext cx="794117" cy="524708"/>
           </a:xfrm>
           <a:prstGeom prst="line">
             <a:avLst/>
@@ -3368,8 +3372,8 @@
         </p:nvCxnSpPr>
         <p:spPr>
           <a:xfrm>
-            <a:off x="2981545" y="4307723"/>
-            <a:ext cx="153219" cy="624046"/>
+            <a:off x="2627428" y="3345201"/>
+            <a:ext cx="136647" cy="524709"/>
           </a:xfrm>
           <a:prstGeom prst="line">
             <a:avLst/>
@@ -3406,8 +3410,8 @@
         </p:nvCxnSpPr>
         <p:spPr>
           <a:xfrm>
-            <a:off x="3020064" y="4310985"/>
-            <a:ext cx="954760" cy="620784"/>
+            <a:off x="2616202" y="3346252"/>
+            <a:ext cx="909773" cy="525775"/>
           </a:xfrm>
           <a:prstGeom prst="line">
             <a:avLst/>
@@ -3444,8 +3448,8 @@
         </p:nvCxnSpPr>
         <p:spPr>
           <a:xfrm flipH="1">
-            <a:off x="3181974" y="2059730"/>
-            <a:ext cx="792850" cy="1839509"/>
+            <a:off x="2695751" y="1743075"/>
+            <a:ext cx="830224" cy="1304527"/>
           </a:xfrm>
           <a:prstGeom prst="line">
             <a:avLst/>
@@ -3482,8 +3486,8 @@
         </p:nvCxnSpPr>
         <p:spPr>
           <a:xfrm>
-            <a:off x="3974824" y="2111658"/>
-            <a:ext cx="780422" cy="1679601"/>
+            <a:off x="3540090" y="1731700"/>
+            <a:ext cx="358810" cy="1315902"/>
           </a:xfrm>
           <a:prstGeom prst="line">
             <a:avLst/>
@@ -3520,8 +3524,8 @@
         </p:nvCxnSpPr>
         <p:spPr>
           <a:xfrm flipH="1">
-            <a:off x="959562" y="1866472"/>
-            <a:ext cx="1203037" cy="540198"/>
+            <a:off x="1001944" y="1731700"/>
+            <a:ext cx="902117" cy="428059"/>
           </a:xfrm>
           <a:prstGeom prst="line">
             <a:avLst/>
@@ -3558,8 +3562,8 @@
         </p:nvCxnSpPr>
         <p:spPr>
           <a:xfrm flipH="1">
-            <a:off x="1890295" y="1886048"/>
-            <a:ext cx="272304" cy="624046"/>
+            <a:off x="1827227" y="1743075"/>
+            <a:ext cx="106859" cy="439418"/>
           </a:xfrm>
           <a:prstGeom prst="line">
             <a:avLst/>
@@ -3596,8 +3600,8 @@
         </p:nvCxnSpPr>
         <p:spPr>
           <a:xfrm>
-            <a:off x="2201118" y="1889310"/>
-            <a:ext cx="387862" cy="548869"/>
+            <a:off x="1958183" y="1730230"/>
+            <a:ext cx="521457" cy="400501"/>
           </a:xfrm>
           <a:prstGeom prst="line">
             <a:avLst/>
@@ -3634,8 +3638,8 @@
         </p:nvCxnSpPr>
         <p:spPr>
           <a:xfrm flipH="1">
-            <a:off x="1276766" y="653593"/>
-            <a:ext cx="1857998" cy="810210"/>
+            <a:off x="1130013" y="693209"/>
+            <a:ext cx="1672251" cy="761864"/>
           </a:xfrm>
           <a:prstGeom prst="line">
             <a:avLst/>
@@ -3672,47 +3676,8 @@
         </p:nvCxnSpPr>
         <p:spPr>
           <a:xfrm flipH="1">
-            <a:off x="2201118" y="673169"/>
-            <a:ext cx="933646" cy="901592"/>
-          </a:xfrm>
-          <a:prstGeom prst="line">
-            <a:avLst/>
-          </a:prstGeom>
-        </p:spPr>
-        <p:style>
-          <a:lnRef idx="1">
-            <a:schemeClr val="accent1"/>
-          </a:lnRef>
-          <a:fillRef idx="0">
-            <a:schemeClr val="accent1"/>
-          </a:fillRef>
-          <a:effectRef idx="0">
-            <a:schemeClr val="accent1"/>
-          </a:effectRef>
-          <a:fontRef idx="minor">
-            <a:schemeClr val="tx1"/>
-          </a:fontRef>
-        </p:style>
-      </p:cxnSp>
-      <p:cxnSp>
-        <p:nvCxnSpPr>
-          <p:cNvPr id="37" name="Straight Connector 36">
-            <a:extLst>
-              <a:ext uri="{FF2B5EF4-FFF2-40B4-BE49-F238E27FC236}">
-                <a16:creationId xmlns:a16="http://schemas.microsoft.com/office/drawing/2014/main" id="{D1F2222B-EA68-6366-085C-40DC7E81F2F9}"/>
-              </a:ext>
-            </a:extLst>
-          </p:cNvPr>
-          <p:cNvCxnSpPr>
-            <a:cxnSpLocks/>
-            <a:stCxn id="5" idx="2"/>
-          </p:cNvCxnSpPr>
-          <p:nvPr/>
-        </p:nvCxnSpPr>
-        <p:spPr>
-          <a:xfrm>
-            <a:off x="3290682" y="653593"/>
-            <a:ext cx="2383919" cy="886457"/>
+            <a:off x="1973747" y="706519"/>
+            <a:ext cx="812351" cy="748346"/>
           </a:xfrm>
           <a:prstGeom prst="line">
             <a:avLst/>
@@ -3744,14 +3709,51 @@
           </p:cNvPr>
           <p:cNvCxnSpPr>
             <a:cxnSpLocks/>
-            <a:stCxn id="5" idx="2"/>
           </p:cNvCxnSpPr>
           <p:nvPr/>
         </p:nvCxnSpPr>
         <p:spPr>
           <a:xfrm>
-            <a:off x="3290682" y="653593"/>
-            <a:ext cx="502233" cy="830182"/>
+            <a:off x="2764075" y="706727"/>
+            <a:ext cx="664925" cy="771168"/>
+          </a:xfrm>
+          <a:prstGeom prst="line">
+            <a:avLst/>
+          </a:prstGeom>
+        </p:spPr>
+        <p:style>
+          <a:lnRef idx="1">
+            <a:schemeClr val="accent1"/>
+          </a:lnRef>
+          <a:fillRef idx="0">
+            <a:schemeClr val="accent1"/>
+          </a:fillRef>
+          <a:effectRef idx="0">
+            <a:schemeClr val="accent1"/>
+          </a:effectRef>
+          <a:fontRef idx="minor">
+            <a:schemeClr val="tx1"/>
+          </a:fontRef>
+        </p:style>
+      </p:cxnSp>
+      <p:cxnSp>
+        <p:nvCxnSpPr>
+          <p:cNvPr id="22" name="Straight Connector 21">
+            <a:extLst>
+              <a:ext uri="{FF2B5EF4-FFF2-40B4-BE49-F238E27FC236}">
+                <a16:creationId xmlns:a16="http://schemas.microsoft.com/office/drawing/2014/main" id="{8B7AEB4A-9777-C895-DE95-3C25BE9036D9}"/>
+              </a:ext>
+            </a:extLst>
+          </p:cNvPr>
+          <p:cNvCxnSpPr>
+            <a:cxnSpLocks/>
+          </p:cNvCxnSpPr>
+          <p:nvPr/>
+        </p:nvCxnSpPr>
+        <p:spPr>
+          <a:xfrm>
+            <a:off x="3556000" y="1743075"/>
+            <a:ext cx="1511300" cy="1353861"/>
           </a:xfrm>
           <a:prstGeom prst="line">
             <a:avLst/>
